--- a/PowerPoints/CV_Project_Poster.pptx
+++ b/PowerPoints/CV_Project_Poster.pptx
@@ -5339,7 +5339,7 @@
             </a:pPr>
             <a:r>
               <a:rPr lang="en-US" sz="3200" dirty="0"/>
-              <a:t>Capturing  &amp; Maintaining Semantic Meaning from Image Representation</a:t>
+              <a:t>Capturing &amp; Maintaining Semantic Meaning from Image Representation</a:t>
             </a:r>
             <a:endParaRPr sz="2200" dirty="0">
               <a:solidFill>
@@ -5405,7 +5405,7 @@
         </p:nvSpPr>
         <p:spPr>
           <a:xfrm>
-            <a:off x="557087" y="6468210"/>
+            <a:off x="511012" y="5920643"/>
             <a:ext cx="5445359" cy="3124544"/>
           </a:xfrm>
           <a:prstGeom prst="rect">
@@ -5484,7 +5484,7 @@
               <a:buNone/>
             </a:pPr>
             <a:r>
-              <a:rPr lang="en" sz="3600" b="1" dirty="0">
+              <a:rPr lang="en" sz="3200" b="1" dirty="0">
                 <a:latin typeface="Barlow"/>
                 <a:ea typeface="Barlow"/>
                 <a:cs typeface="Barlow"/>
@@ -5492,7 +5492,7 @@
               </a:rPr>
               <a:t>ARCHITECTURE</a:t>
             </a:r>
-            <a:endParaRPr sz="3600" b="1" dirty="0">
+            <a:endParaRPr sz="3200" b="1" dirty="0">
               <a:latin typeface="Barlow"/>
               <a:ea typeface="Barlow"/>
               <a:cs typeface="Barlow"/>
@@ -5509,8 +5509,8 @@
         </p:nvSpPr>
         <p:spPr>
           <a:xfrm>
-            <a:off x="6159870" y="5747644"/>
-            <a:ext cx="10601369" cy="3444645"/>
+            <a:off x="6159870" y="5747645"/>
+            <a:ext cx="10601369" cy="3201954"/>
           </a:xfrm>
           <a:prstGeom prst="rect">
             <a:avLst/>
@@ -5707,7 +5707,7 @@
         </p:nvSpPr>
         <p:spPr>
           <a:xfrm>
-            <a:off x="550915" y="13724860"/>
+            <a:off x="554275" y="13425368"/>
             <a:ext cx="5195400" cy="824400"/>
           </a:xfrm>
           <a:prstGeom prst="rect">
@@ -5730,7 +5730,7 @@
               <a:buNone/>
             </a:pPr>
             <a:r>
-              <a:rPr lang="en" sz="3600" b="1" dirty="0">
+              <a:rPr lang="en" sz="3200" b="1" dirty="0">
                 <a:latin typeface="Barlow"/>
                 <a:ea typeface="Barlow"/>
                 <a:cs typeface="Barlow"/>
@@ -5738,7 +5738,7 @@
               </a:rPr>
               <a:t>OUR SOLUTION</a:t>
             </a:r>
-            <a:endParaRPr sz="3600" b="1" dirty="0">
+            <a:endParaRPr sz="3200" b="1" dirty="0">
               <a:latin typeface="Barlow"/>
               <a:ea typeface="Barlow"/>
               <a:cs typeface="Barlow"/>
@@ -5755,7 +5755,7 @@
         </p:nvSpPr>
         <p:spPr>
           <a:xfrm>
-            <a:off x="550915" y="14360103"/>
+            <a:off x="554275" y="14060611"/>
             <a:ext cx="5519517" cy="2372619"/>
           </a:xfrm>
           <a:prstGeom prst="rect">
@@ -5872,7 +5872,7 @@
         </p:nvSpPr>
         <p:spPr>
           <a:xfrm>
-            <a:off x="6271152" y="8982607"/>
+            <a:off x="6340216" y="8730706"/>
             <a:ext cx="5088921" cy="824400"/>
           </a:xfrm>
           <a:prstGeom prst="rect">
@@ -5895,7 +5895,7 @@
               <a:buNone/>
             </a:pPr>
             <a:r>
-              <a:rPr lang="en-US" sz="3600" b="1" dirty="0">
+              <a:rPr lang="en-US" sz="3200" b="1" dirty="0">
                 <a:latin typeface="Barlow"/>
                 <a:ea typeface="Barlow"/>
                 <a:cs typeface="Barlow"/>
@@ -5914,7 +5914,7 @@
         </p:nvSpPr>
         <p:spPr>
           <a:xfrm>
-            <a:off x="6329082" y="9813432"/>
+            <a:off x="6371334" y="9558232"/>
             <a:ext cx="5195400" cy="1362300"/>
           </a:xfrm>
           <a:prstGeom prst="rect">
@@ -6049,7 +6049,7 @@
         </p:nvSpPr>
         <p:spPr>
           <a:xfrm>
-            <a:off x="11710168" y="8986091"/>
+            <a:off x="11707791" y="8643079"/>
             <a:ext cx="5195400" cy="824400"/>
           </a:xfrm>
           <a:prstGeom prst="rect">
@@ -6072,7 +6072,7 @@
               <a:buNone/>
             </a:pPr>
             <a:r>
-              <a:rPr lang="en" sz="3600" b="1" dirty="0">
+              <a:rPr lang="en" sz="3200" b="1" dirty="0">
                 <a:latin typeface="Barlow"/>
                 <a:ea typeface="Barlow"/>
                 <a:cs typeface="Barlow"/>
@@ -6080,7 +6080,7 @@
               </a:rPr>
               <a:t>IMPLEMENTATION</a:t>
             </a:r>
-            <a:endParaRPr sz="3600" b="1" dirty="0">
+            <a:endParaRPr sz="3200" b="1" dirty="0">
               <a:latin typeface="Barlow"/>
               <a:ea typeface="Barlow"/>
               <a:cs typeface="Barlow"/>
@@ -6097,7 +6097,7 @@
         </p:nvSpPr>
         <p:spPr>
           <a:xfrm>
-            <a:off x="11731273" y="9759273"/>
+            <a:off x="11728896" y="9416261"/>
             <a:ext cx="5369404" cy="4038529"/>
           </a:xfrm>
           <a:prstGeom prst="rect">
@@ -6313,7 +6313,7 @@
               <a:buNone/>
             </a:pPr>
             <a:r>
-              <a:rPr lang="en" sz="3600" b="1" dirty="0">
+              <a:rPr lang="en" sz="3200" b="1" dirty="0">
                 <a:latin typeface="Barlow"/>
                 <a:ea typeface="Barlow"/>
                 <a:cs typeface="Barlow"/>
@@ -6321,7 +6321,7 @@
               </a:rPr>
               <a:t>CONCLUSION</a:t>
             </a:r>
-            <a:endParaRPr sz="3600" b="1" dirty="0">
+            <a:endParaRPr sz="3200" b="1" dirty="0">
               <a:latin typeface="Barlow"/>
               <a:ea typeface="Barlow"/>
               <a:cs typeface="Barlow"/>
@@ -6437,7 +6437,7 @@
               <a:buNone/>
             </a:pPr>
             <a:r>
-              <a:rPr lang="en-US" sz="3600" b="1" dirty="0">
+              <a:rPr lang="en-US" sz="3200" b="1" dirty="0">
                 <a:latin typeface="Barlow"/>
                 <a:ea typeface="Barlow"/>
                 <a:cs typeface="Barlow"/>
@@ -6618,7 +6618,7 @@
               <a:buNone/>
             </a:pPr>
             <a:r>
-              <a:rPr lang="en-US" sz="3600" b="1" dirty="0">
+              <a:rPr lang="en-US" sz="3200" b="1" dirty="0">
                 <a:latin typeface="Barlow"/>
                 <a:ea typeface="Barlow"/>
                 <a:cs typeface="Barlow"/>
@@ -6641,7 +6641,7 @@
         </p:nvSpPr>
         <p:spPr>
           <a:xfrm>
-            <a:off x="562473" y="9072226"/>
+            <a:off x="584457" y="8639969"/>
             <a:ext cx="5195400" cy="1178648"/>
           </a:xfrm>
           <a:prstGeom prst="rect">
@@ -6664,7 +6664,7 @@
               <a:buNone/>
             </a:pPr>
             <a:r>
-              <a:rPr lang="en" sz="3600" b="1" dirty="0">
+              <a:rPr lang="en" sz="3200" b="1" dirty="0">
                 <a:latin typeface="Barlow"/>
                 <a:ea typeface="Barlow"/>
                 <a:cs typeface="Barlow"/>
@@ -6672,7 +6672,7 @@
               </a:rPr>
               <a:t>STRUGGLES WITH CURRENT METHODS</a:t>
             </a:r>
-            <a:endParaRPr sz="3600" b="1" dirty="0">
+            <a:endParaRPr sz="3200" b="1" dirty="0">
               <a:latin typeface="Barlow"/>
               <a:ea typeface="Barlow"/>
               <a:cs typeface="Barlow"/>
@@ -6689,7 +6689,7 @@
         </p:nvSpPr>
         <p:spPr>
           <a:xfrm>
-            <a:off x="541968" y="10221053"/>
+            <a:off x="563952" y="9788796"/>
             <a:ext cx="5195400" cy="3503807"/>
           </a:xfrm>
           <a:prstGeom prst="rect">
@@ -6767,7 +6767,7 @@
         </p:nvSpPr>
         <p:spPr>
           <a:xfrm>
-            <a:off x="557087" y="4935184"/>
+            <a:off x="513214" y="4135884"/>
             <a:ext cx="5432877" cy="1706548"/>
           </a:xfrm>
           <a:prstGeom prst="rect">
@@ -6790,10 +6790,10 @@
               <a:buNone/>
             </a:pPr>
             <a:r>
-              <a:rPr lang="en-US" sz="3600" b="1" dirty="0"/>
+              <a:rPr lang="en-US" sz="3200" b="1" dirty="0"/>
               <a:t>CHALLENGE: CAPTURING SEMANTIC MEANING FROM IMAGE REPRESENTAION</a:t>
             </a:r>
-            <a:endParaRPr lang="en-US" sz="3600" b="1" dirty="0">
+            <a:endParaRPr lang="en-US" sz="3200" b="1" dirty="0">
               <a:latin typeface="Barlow"/>
               <a:ea typeface="Barlow"/>
               <a:cs typeface="Barlow"/>
@@ -7251,7 +7251,7 @@
           <a:p>
             <a:pPr algn="l"/>
             <a:r>
-              <a:rPr lang="en-US" sz="3600" b="1" dirty="0">
+              <a:rPr lang="en-US" sz="3200" b="1" dirty="0">
                 <a:latin typeface="Barlow"/>
                 <a:ea typeface="Barlow"/>
                 <a:cs typeface="Barlow"/>
@@ -7309,129 +7309,34 @@
           </a:extLst>
         </p:spPr>
       </p:pic>
-      <p:sp>
-        <p:nvSpPr>
-          <p:cNvPr id="20" name="Google Shape;120;p19">
+      <p:pic>
+        <p:nvPicPr>
+          <p:cNvPr id="26" name="Picture 25" descr="A comparison of a graph&#10;&#10;Description automatically generated with medium confidence">
             <a:extLst>
               <a:ext uri="{FF2B5EF4-FFF2-40B4-BE49-F238E27FC236}">
-                <a16:creationId xmlns:a16="http://schemas.microsoft.com/office/drawing/2014/main" id="{88D4EC51-2C77-C7F1-D13E-DACD86DAA341}"/>
+                <a16:creationId xmlns:a16="http://schemas.microsoft.com/office/drawing/2014/main" id="{0BF4C299-DE1D-E7A6-7192-6A1B94FB2E36}"/>
               </a:ext>
             </a:extLst>
           </p:cNvPr>
-          <p:cNvSpPr txBox="1"/>
+          <p:cNvPicPr>
+            <a:picLocks noChangeAspect="1"/>
+          </p:cNvPicPr>
           <p:nvPr/>
-        </p:nvSpPr>
+        </p:nvPicPr>
+        <p:blipFill>
+          <a:blip r:embed="rId8"/>
+          <a:stretch>
+            <a:fillRect/>
+          </a:stretch>
+        </p:blipFill>
         <p:spPr>
           <a:xfrm>
-            <a:off x="11781215" y="14024205"/>
-            <a:ext cx="5376403" cy="2567744"/>
+            <a:off x="12236729" y="13253274"/>
+            <a:ext cx="9637763" cy="3574140"/>
           </a:xfrm>
           <a:prstGeom prst="rect">
             <a:avLst/>
           </a:prstGeom>
-          <a:noFill/>
-          <a:ln>
-            <a:noFill/>
-          </a:ln>
-        </p:spPr>
-        <p:txBody>
-          <a:bodyPr spcFirstLastPara="1" wrap="square" lIns="91425" tIns="91425" rIns="91425" bIns="91425" anchor="t" anchorCtr="0">
-            <a:noAutofit/>
-          </a:bodyPr>
-          <a:lstStyle/>
-          <a:p>
-            <a:pPr marL="0" lvl="0" indent="0" algn="l" rtl="0">
-              <a:spcBef>
-                <a:spcPts val="0"/>
-              </a:spcBef>
-              <a:spcAft>
-                <a:spcPts val="0"/>
-              </a:spcAft>
-              <a:buNone/>
-            </a:pPr>
-            <a:r>
-              <a:rPr lang="en-US" sz="2200" dirty="0">
-                <a:solidFill>
-                  <a:schemeClr val="dk1"/>
-                </a:solidFill>
-                <a:latin typeface="Barlow"/>
-                <a:ea typeface="Barlow"/>
-                <a:cs typeface="Barlow"/>
-                <a:sym typeface="Barlow"/>
-              </a:rPr>
-              <a:t>After encoding images into fixed-length vectors, we assessed visual similarities, confirming the effectiveness of the encoding approach. </a:t>
-            </a:r>
-          </a:p>
-          <a:p>
-            <a:pPr marL="0" lvl="0" indent="0" algn="l" rtl="0">
-              <a:spcBef>
-                <a:spcPts val="0"/>
-              </a:spcBef>
-              <a:spcAft>
-                <a:spcPts val="0"/>
-              </a:spcAft>
-              <a:buNone/>
-            </a:pPr>
-            <a:r>
-              <a:rPr lang="en-US" sz="2200" dirty="0">
-                <a:solidFill>
-                  <a:schemeClr val="dk1"/>
-                </a:solidFill>
-                <a:latin typeface="Barlow"/>
-                <a:ea typeface="Barlow"/>
-                <a:cs typeface="Barlow"/>
-                <a:sym typeface="Barlow"/>
-              </a:rPr>
-              <a:t>The model successfully groups images with similar features, showing meaningful clustering and understanding of visual content.</a:t>
-            </a:r>
-          </a:p>
-        </p:txBody>
-      </p:sp>
-      <p:pic>
-        <p:nvPicPr>
-          <p:cNvPr id="1028" name="Picture 4">
-            <a:extLst>
-              <a:ext uri="{FF2B5EF4-FFF2-40B4-BE49-F238E27FC236}">
-                <a16:creationId xmlns:a16="http://schemas.microsoft.com/office/drawing/2014/main" id="{08A67983-D5A9-86C6-3CBE-7CEE9A390899}"/>
-              </a:ext>
-            </a:extLst>
-          </p:cNvPr>
-          <p:cNvPicPr>
-            <a:picLocks noChangeAspect="1" noChangeArrowheads="1"/>
-          </p:cNvPicPr>
-          <p:nvPr/>
-        </p:nvPicPr>
-        <p:blipFill>
-          <a:blip r:embed="rId8">
-            <a:extLst>
-              <a:ext uri="{28A0092B-C50C-407E-A947-70E740481C1C}">
-                <a14:useLocalDpi xmlns:a14="http://schemas.microsoft.com/office/drawing/2010/main" val="0"/>
-              </a:ext>
-            </a:extLst>
-          </a:blip>
-          <a:srcRect/>
-          <a:stretch>
-            <a:fillRect/>
-          </a:stretch>
-        </p:blipFill>
-        <p:spPr bwMode="auto">
-          <a:xfrm>
-            <a:off x="17289548" y="12898797"/>
-            <a:ext cx="5129023" cy="3872553"/>
-          </a:xfrm>
-          <a:prstGeom prst="rect">
-            <a:avLst/>
-          </a:prstGeom>
-          <a:noFill/>
-          <a:extLst>
-            <a:ext uri="{909E8E84-426E-40DD-AFC4-6F175D3DCCD1}">
-              <a14:hiddenFill xmlns:a14="http://schemas.microsoft.com/office/drawing/2010/main">
-                <a:solidFill>
-                  <a:srgbClr val="FFFFFF"/>
-                </a:solidFill>
-              </a14:hiddenFill>
-            </a:ext>
-          </a:extLst>
         </p:spPr>
       </p:pic>
     </p:spTree>
